--- a/Capacitacion_Docker.pptx
+++ b/Capacitacion_Docker.pptx
@@ -118,6 +118,11 @@
       </a:defRPr>
     </a:lvl9pPr>
   </p:defaultTextStyle>
+  <p:extLst>
+    <p:ext uri="{EFAFB233-063F-42B5-8137-9DF3F51BA10A}">
+      <p15:sldGuideLst xmlns:p15="http://schemas.microsoft.com/office/powerpoint/2012/main"/>
+    </p:ext>
+  </p:extLst>
 </p:presentation>
 </file>
 
@@ -29844,6 +29849,7 @@
       <p:pic>
         <p:nvPicPr>
           <p:cNvPr id="10242" name="Picture 2" descr="GitHub Logo, symbol, meaning, history, PNG, brand">
+            <a:hlinkClick r:id="rId2"/>
             <a:extLst>
               <a:ext uri="{FF2B5EF4-FFF2-40B4-BE49-F238E27FC236}">
                 <a16:creationId xmlns:a16="http://schemas.microsoft.com/office/drawing/2014/main" id="{19432BD6-2500-8964-EC4D-2D20621C14B8}"/>
@@ -29856,7 +29862,7 @@
           <p:nvPr/>
         </p:nvPicPr>
         <p:blipFill>
-          <a:blip r:embed="rId2">
+          <a:blip r:embed="rId3">
             <a:extLst>
               <a:ext uri="{28A0092B-C50C-407E-A947-70E740481C1C}">
                 <a14:useLocalDpi xmlns:a14="http://schemas.microsoft.com/office/drawing/2010/main" val="0"/>
